--- a/Апофис МN4.pptx
+++ b/Апофис МN4.pptx
@@ -8,6 +8,7 @@
     <p:sldId id="256" r:id="rId2"/>
     <p:sldId id="257" r:id="rId3"/>
     <p:sldId id="258" r:id="rId4"/>
+    <p:sldId id="259" r:id="rId5"/>
   </p:sldIdLst>
   <p:sldSz cx="12192000" cy="6858000"/>
   <p:notesSz cx="6858000" cy="9144000"/>
@@ -106,6 +107,11 @@
       </a:defRPr>
     </a:lvl9pPr>
   </p:defaultTextStyle>
+  <p:extLst>
+    <p:ext uri="{EFAFB233-063F-42B5-8137-9DF3F51BA10A}">
+      <p15:sldGuideLst xmlns:p15="http://schemas.microsoft.com/office/powerpoint/2012/main"/>
+    </p:ext>
+  </p:extLst>
 </p:presentation>
 </file>
 
@@ -252,7 +258,7 @@
           <a:p>
             <a:fld id="{83B78016-E3C8-416D-B393-607FA85D854E}" type="datetimeFigureOut">
               <a:rPr lang="ru-RU" smtClean="0"/>
-              <a:t>07.12.2020</a:t>
+              <a:t>08.12.2020</a:t>
             </a:fld>
             <a:endParaRPr lang="ru-RU"/>
           </a:p>
@@ -422,7 +428,7 @@
           <a:p>
             <a:fld id="{83B78016-E3C8-416D-B393-607FA85D854E}" type="datetimeFigureOut">
               <a:rPr lang="ru-RU" smtClean="0"/>
-              <a:t>07.12.2020</a:t>
+              <a:t>08.12.2020</a:t>
             </a:fld>
             <a:endParaRPr lang="ru-RU"/>
           </a:p>
@@ -602,7 +608,7 @@
           <a:p>
             <a:fld id="{83B78016-E3C8-416D-B393-607FA85D854E}" type="datetimeFigureOut">
               <a:rPr lang="ru-RU" smtClean="0"/>
-              <a:t>07.12.2020</a:t>
+              <a:t>08.12.2020</a:t>
             </a:fld>
             <a:endParaRPr lang="ru-RU"/>
           </a:p>
@@ -772,7 +778,7 @@
           <a:p>
             <a:fld id="{83B78016-E3C8-416D-B393-607FA85D854E}" type="datetimeFigureOut">
               <a:rPr lang="ru-RU" smtClean="0"/>
-              <a:t>07.12.2020</a:t>
+              <a:t>08.12.2020</a:t>
             </a:fld>
             <a:endParaRPr lang="ru-RU"/>
           </a:p>
@@ -1018,7 +1024,7 @@
           <a:p>
             <a:fld id="{83B78016-E3C8-416D-B393-607FA85D854E}" type="datetimeFigureOut">
               <a:rPr lang="ru-RU" smtClean="0"/>
-              <a:t>07.12.2020</a:t>
+              <a:t>08.12.2020</a:t>
             </a:fld>
             <a:endParaRPr lang="ru-RU"/>
           </a:p>
@@ -1250,7 +1256,7 @@
           <a:p>
             <a:fld id="{83B78016-E3C8-416D-B393-607FA85D854E}" type="datetimeFigureOut">
               <a:rPr lang="ru-RU" smtClean="0"/>
-              <a:t>07.12.2020</a:t>
+              <a:t>08.12.2020</a:t>
             </a:fld>
             <a:endParaRPr lang="ru-RU"/>
           </a:p>
@@ -1617,7 +1623,7 @@
           <a:p>
             <a:fld id="{83B78016-E3C8-416D-B393-607FA85D854E}" type="datetimeFigureOut">
               <a:rPr lang="ru-RU" smtClean="0"/>
-              <a:t>07.12.2020</a:t>
+              <a:t>08.12.2020</a:t>
             </a:fld>
             <a:endParaRPr lang="ru-RU"/>
           </a:p>
@@ -1735,7 +1741,7 @@
           <a:p>
             <a:fld id="{83B78016-E3C8-416D-B393-607FA85D854E}" type="datetimeFigureOut">
               <a:rPr lang="ru-RU" smtClean="0"/>
-              <a:t>07.12.2020</a:t>
+              <a:t>08.12.2020</a:t>
             </a:fld>
             <a:endParaRPr lang="ru-RU"/>
           </a:p>
@@ -1830,7 +1836,7 @@
           <a:p>
             <a:fld id="{83B78016-E3C8-416D-B393-607FA85D854E}" type="datetimeFigureOut">
               <a:rPr lang="ru-RU" smtClean="0"/>
-              <a:t>07.12.2020</a:t>
+              <a:t>08.12.2020</a:t>
             </a:fld>
             <a:endParaRPr lang="ru-RU"/>
           </a:p>
@@ -2107,7 +2113,7 @@
           <a:p>
             <a:fld id="{83B78016-E3C8-416D-B393-607FA85D854E}" type="datetimeFigureOut">
               <a:rPr lang="ru-RU" smtClean="0"/>
-              <a:t>07.12.2020</a:t>
+              <a:t>08.12.2020</a:t>
             </a:fld>
             <a:endParaRPr lang="ru-RU"/>
           </a:p>
@@ -2364,7 +2370,7 @@
           <a:p>
             <a:fld id="{83B78016-E3C8-416D-B393-607FA85D854E}" type="datetimeFigureOut">
               <a:rPr lang="ru-RU" smtClean="0"/>
-              <a:t>07.12.2020</a:t>
+              <a:t>08.12.2020</a:t>
             </a:fld>
             <a:endParaRPr lang="ru-RU"/>
           </a:p>
@@ -2577,7 +2583,7 @@
           <a:p>
             <a:fld id="{83B78016-E3C8-416D-B393-607FA85D854E}" type="datetimeFigureOut">
               <a:rPr lang="ru-RU" smtClean="0"/>
-              <a:t>07.12.2020</a:t>
+              <a:t>08.12.2020</a:t>
             </a:fld>
             <a:endParaRPr lang="ru-RU"/>
           </a:p>
@@ -2970,15 +2976,12 @@
   <p:cSld>
     <p:bg>
       <p:bgPr>
-        <a:blipFill dpi="0" rotWithShape="1">
-          <a:blip r:embed="rId2">
-            <a:lum/>
-          </a:blip>
-          <a:srcRect/>
-          <a:stretch>
-            <a:fillRect t="-4000" b="-4000"/>
-          </a:stretch>
-        </a:blipFill>
+        <a:solidFill>
+          <a:schemeClr val="bg1">
+            <a:lumMod val="95000"/>
+            <a:lumOff val="5000"/>
+          </a:schemeClr>
+        </a:solidFill>
         <a:effectLst/>
       </p:bgPr>
     </p:bg>
@@ -3008,7 +3011,7 @@
         </p:nvSpPr>
         <p:spPr>
           <a:xfrm>
-            <a:off x="1628775" y="2724151"/>
+            <a:off x="1431828" y="2358391"/>
             <a:ext cx="9144000" cy="981074"/>
           </a:xfrm>
           <a:solidFill>
@@ -3050,7 +3053,7 @@
         </p:nvSpPr>
         <p:spPr>
           <a:xfrm>
-            <a:off x="1628775" y="5330826"/>
+            <a:off x="1431828" y="3339465"/>
             <a:ext cx="9144000" cy="908049"/>
           </a:xfrm>
           <a:solidFill>
@@ -3079,7 +3082,7 @@
             </a:r>
             <a:r>
               <a:rPr lang="ru-RU" dirty="0" smtClean="0"/>
-              <a:t>Оксана Трофимова, Анастасия Кузнецова</a:t>
+              <a:t>О. Трофимова, А. Кузнецова</a:t>
             </a:r>
           </a:p>
           <a:p>
@@ -3096,7 +3099,7 @@
             </a:r>
             <a:r>
               <a:rPr lang="ru-RU" dirty="0" smtClean="0"/>
-              <a:t>Царьков Максим Владимирович </a:t>
+              <a:t>М.В. Царьков</a:t>
             </a:r>
           </a:p>
         </p:txBody>
@@ -3157,8 +3160,8 @@
         </p:nvSpPr>
         <p:spPr>
           <a:xfrm>
-            <a:off x="1057275" y="1654175"/>
-            <a:ext cx="10515600" cy="3908425"/>
+            <a:off x="1083212" y="1688122"/>
+            <a:ext cx="9988062" cy="3784210"/>
           </a:xfrm>
           <a:solidFill>
             <a:schemeClr val="bg1">
@@ -3168,13 +3171,10 @@
         </p:spPr>
         <p:txBody>
           <a:bodyPr>
-            <a:normAutofit/>
+            <a:noAutofit/>
           </a:bodyPr>
           <a:lstStyle/>
           <a:p>
-            <a:pPr marL="0" indent="0">
-              <a:buNone/>
-            </a:pPr>
             <a:r>
               <a:rPr lang="ru-RU" dirty="0" smtClean="0"/>
               <a:t>Через </a:t>
@@ -3249,13 +3249,18 @@
             </a:r>
           </a:p>
           <a:p>
-            <a:pPr marL="0" indent="0">
-              <a:buNone/>
+            <a:pPr>
+              <a:buClr>
+                <a:schemeClr val="tx1"/>
+              </a:buClr>
             </a:pPr>
             <a:r>
               <a:rPr lang="ru-RU" b="1" dirty="0" smtClean="0">
                 <a:solidFill>
-                  <a:srgbClr val="D35813"/>
+                  <a:schemeClr val="accent4">
+                    <a:lumMod val="60000"/>
+                    <a:lumOff val="40000"/>
+                  </a:schemeClr>
                 </a:solidFill>
               </a:rPr>
               <a:t>Цель</a:t>
@@ -3263,7 +3268,10 @@
             <a:r>
               <a:rPr lang="ru-RU" dirty="0" smtClean="0">
                 <a:solidFill>
-                  <a:srgbClr val="D35813"/>
+                  <a:schemeClr val="accent4">
+                    <a:lumMod val="60000"/>
+                    <a:lumOff val="40000"/>
+                  </a:schemeClr>
                 </a:solidFill>
               </a:rPr>
               <a:t>:</a:t>
@@ -3271,7 +3279,10 @@
             <a:r>
               <a:rPr lang="ru-RU" dirty="0">
                 <a:solidFill>
-                  <a:srgbClr val="D35813"/>
+                  <a:schemeClr val="accent4">
+                    <a:lumMod val="60000"/>
+                    <a:lumOff val="40000"/>
+                  </a:schemeClr>
                 </a:solidFill>
               </a:rPr>
               <a:t> </a:t>
@@ -3419,6 +3430,10 @@
           </p:nvPr>
         </p:nvSpPr>
         <p:spPr>
+          <a:xfrm>
+            <a:off x="838200" y="2011680"/>
+            <a:ext cx="10515600" cy="3953022"/>
+          </a:xfrm>
           <a:solidFill>
             <a:schemeClr val="bg1">
               <a:alpha val="75000"/>
@@ -3427,16 +3442,16 @@
         </p:spPr>
         <p:txBody>
           <a:bodyPr>
-            <a:normAutofit fontScale="92500" lnSpcReduction="10000"/>
+            <a:normAutofit/>
           </a:bodyPr>
           <a:lstStyle/>
           <a:p>
             <a:r>
-              <a:rPr lang="ru-RU" dirty="0" smtClean="0"/>
+              <a:rPr lang="ru-RU" sz="2400" dirty="0" smtClean="0"/>
               <a:t>Данное небесное тело в </a:t>
             </a:r>
             <a:r>
-              <a:rPr lang="ru-RU" i="1" u="sng" dirty="0" smtClean="0">
+              <a:rPr lang="ru-RU" sz="2400" i="1" u="sng" dirty="0" smtClean="0">
                 <a:solidFill>
                   <a:schemeClr val="accent4">
                     <a:lumMod val="60000"/>
@@ -3447,23 +3462,23 @@
               <a:t>2013</a:t>
             </a:r>
             <a:r>
-              <a:rPr lang="ru-RU" dirty="0" smtClean="0"/>
+              <a:rPr lang="ru-RU" sz="2400" dirty="0" smtClean="0"/>
               <a:t> году сблизилось </a:t>
             </a:r>
             <a:r>
-              <a:rPr lang="ru-RU" dirty="0"/>
+              <a:rPr lang="ru-RU" sz="2400" dirty="0"/>
               <a:t>с </a:t>
             </a:r>
             <a:r>
-              <a:rPr lang="ru-RU" dirty="0" smtClean="0"/>
+              <a:rPr lang="ru-RU" sz="2400" dirty="0" smtClean="0"/>
               <a:t>нашей планетой. </a:t>
             </a:r>
             <a:r>
-              <a:rPr lang="ru-RU" dirty="0"/>
+              <a:rPr lang="ru-RU" sz="2400" dirty="0"/>
               <a:t>По новым данным Апофис приблизится к Земле </a:t>
             </a:r>
             <a:r>
-              <a:rPr lang="ru-RU" i="1" u="sng" dirty="0" smtClean="0">
+              <a:rPr lang="ru-RU" sz="2400" i="1" u="sng" dirty="0" smtClean="0">
                 <a:solidFill>
                   <a:schemeClr val="accent4">
                     <a:lumMod val="60000"/>
@@ -3474,7 +3489,7 @@
               <a:t>13 апреля </a:t>
             </a:r>
             <a:r>
-              <a:rPr lang="ru-RU" i="1" u="sng" dirty="0">
+              <a:rPr lang="ru-RU" sz="2400" i="1" u="sng" dirty="0">
                 <a:solidFill>
                   <a:schemeClr val="accent4">
                     <a:lumMod val="60000"/>
@@ -3485,11 +3500,11 @@
               <a:t>2029 </a:t>
             </a:r>
             <a:r>
-              <a:rPr lang="ru-RU" dirty="0"/>
+              <a:rPr lang="ru-RU" sz="2400" dirty="0"/>
               <a:t>году на расстояние </a:t>
             </a:r>
             <a:r>
-              <a:rPr lang="ru-RU" i="1" u="sng" dirty="0">
+              <a:rPr lang="ru-RU" sz="2400" i="1" u="sng" dirty="0">
                 <a:solidFill>
                   <a:schemeClr val="accent4">
                     <a:lumMod val="60000"/>
@@ -3500,11 +3515,11 @@
               <a:t>38 400 </a:t>
             </a:r>
             <a:r>
-              <a:rPr lang="ru-RU" dirty="0"/>
+              <a:rPr lang="ru-RU" sz="2400" dirty="0"/>
               <a:t>км</a:t>
             </a:r>
             <a:r>
-              <a:rPr lang="ru-RU" b="1" dirty="0">
+              <a:rPr lang="ru-RU" sz="2400" b="1" dirty="0">
                 <a:solidFill>
                   <a:schemeClr val="accent4">
                     <a:lumMod val="60000"/>
@@ -3515,35 +3530,35 @@
               <a:t> </a:t>
             </a:r>
             <a:r>
-              <a:rPr lang="ru-RU" dirty="0"/>
+              <a:rPr lang="ru-RU" sz="2400" dirty="0"/>
               <a:t>от </a:t>
             </a:r>
             <a:r>
-              <a:rPr lang="ru-RU" dirty="0" smtClean="0"/>
+              <a:rPr lang="ru-RU" sz="2400" dirty="0" smtClean="0"/>
               <a:t>центра(будет </a:t>
             </a:r>
             <a:r>
-              <a:rPr lang="ru-RU" dirty="0"/>
+              <a:rPr lang="ru-RU" sz="2400" dirty="0"/>
               <a:t>виден невооружённым глазом, станет таким же ярким, как звёзды в созвездии Малая </a:t>
             </a:r>
             <a:r>
-              <a:rPr lang="ru-RU" dirty="0" smtClean="0"/>
+              <a:rPr lang="ru-RU" sz="2400" dirty="0" smtClean="0"/>
               <a:t>Медведица). </a:t>
             </a:r>
             <a:r>
-              <a:rPr lang="ru-RU" dirty="0"/>
+              <a:rPr lang="ru-RU" sz="2400" dirty="0"/>
               <a:t>После проведённых радарных </a:t>
             </a:r>
             <a:r>
-              <a:rPr lang="ru-RU" dirty="0" smtClean="0"/>
+              <a:rPr lang="ru-RU" sz="2400" dirty="0" smtClean="0"/>
               <a:t>наблюдений </a:t>
             </a:r>
             <a:r>
-              <a:rPr lang="ru-RU" dirty="0"/>
+              <a:rPr lang="ru-RU" sz="2400" dirty="0"/>
               <a:t>возможность столкновения в </a:t>
             </a:r>
             <a:r>
-              <a:rPr lang="ru-RU" i="1" u="sng" dirty="0">
+              <a:rPr lang="ru-RU" sz="2400" i="1" u="sng" dirty="0">
                 <a:solidFill>
                   <a:schemeClr val="accent4">
                     <a:lumMod val="60000"/>
@@ -3554,19 +3569,19 @@
               <a:t>2029</a:t>
             </a:r>
             <a:r>
-              <a:rPr lang="ru-RU" dirty="0"/>
+              <a:rPr lang="ru-RU" sz="2400" dirty="0"/>
               <a:t> году была </a:t>
             </a:r>
             <a:r>
-              <a:rPr lang="ru-RU" dirty="0" smtClean="0"/>
+              <a:rPr lang="ru-RU" sz="2400" dirty="0" smtClean="0"/>
               <a:t>исключена, </a:t>
             </a:r>
             <a:r>
-              <a:rPr lang="ru-RU" dirty="0"/>
+              <a:rPr lang="ru-RU" sz="2400" dirty="0"/>
               <a:t>однако ввиду неточности начальных данных существовала вероятность столкновения данного объекта с нашей планетой в </a:t>
             </a:r>
             <a:r>
-              <a:rPr lang="ru-RU" i="1" u="sng" dirty="0">
+              <a:rPr lang="ru-RU" sz="2400" i="1" u="sng" dirty="0">
                 <a:solidFill>
                   <a:schemeClr val="accent4">
                     <a:lumMod val="60000"/>
@@ -3577,15 +3592,15 @@
               <a:t>2036</a:t>
             </a:r>
             <a:r>
-              <a:rPr lang="ru-RU" dirty="0"/>
+              <a:rPr lang="ru-RU" sz="2400" dirty="0"/>
               <a:t> </a:t>
             </a:r>
             <a:r>
-              <a:rPr lang="ru-RU" dirty="0" smtClean="0"/>
+              <a:rPr lang="ru-RU" sz="2400" dirty="0" smtClean="0"/>
               <a:t>и </a:t>
             </a:r>
             <a:r>
-              <a:rPr lang="ru-RU" i="1" u="sng" dirty="0">
+              <a:rPr lang="ru-RU" sz="2400" i="1" u="sng" dirty="0">
                 <a:solidFill>
                   <a:schemeClr val="accent4">
                     <a:lumMod val="60000"/>
@@ -3596,24 +3611,24 @@
               <a:t>2068</a:t>
             </a:r>
             <a:r>
-              <a:rPr lang="ru-RU" dirty="0"/>
+              <a:rPr lang="ru-RU" sz="2400" dirty="0"/>
               <a:t> годах. </a:t>
             </a:r>
           </a:p>
           <a:p>
             <a:r>
-              <a:rPr lang="ru-RU" dirty="0" smtClean="0"/>
-              <a:t>С помощью новейших средств программирования, библиотек </a:t>
-            </a:r>
-            <a:r>
-              <a:rPr lang="en-US" dirty="0" smtClean="0"/>
+              <a:rPr lang="ru-RU" sz="2400" dirty="0" smtClean="0"/>
+              <a:t>С помощью новейших средств программирования, языка </a:t>
+            </a:r>
+            <a:r>
+              <a:rPr lang="en-US" sz="2400" dirty="0" smtClean="0"/>
               <a:t>Python, </a:t>
             </a:r>
             <a:r>
-              <a:rPr lang="ru-RU" dirty="0" smtClean="0"/>
-              <a:t>вычислительных мощностей, физических формул и анимации, мы сможем продемонстрировать поставленную задачу во всех подробностях. </a:t>
-            </a:r>
-            <a:endParaRPr lang="ru-RU" dirty="0"/>
+              <a:rPr lang="ru-RU" sz="2400" dirty="0" smtClean="0"/>
+              <a:t>вычислительных мощностей, физических формул, мы сможем продемонстрировать поставленную задачу во всех подробностях. </a:t>
+            </a:r>
+            <a:endParaRPr lang="ru-RU" sz="2400" dirty="0"/>
           </a:p>
         </p:txBody>
       </p:sp>
@@ -3621,6 +3636,80 @@
     <p:extLst>
       <p:ext uri="{BB962C8B-B14F-4D97-AF65-F5344CB8AC3E}">
         <p14:creationId xmlns:p14="http://schemas.microsoft.com/office/powerpoint/2010/main" val="1807443062"/>
+      </p:ext>
+    </p:extLst>
+  </p:cSld>
+  <p:clrMapOvr>
+    <a:masterClrMapping/>
+  </p:clrMapOvr>
+</p:sld>
+</file>
+
+<file path=ppt/slides/slide4.xml><?xml version="1.0" encoding="utf-8"?>
+<p:sld xmlns:a="http://schemas.openxmlformats.org/drawingml/2006/main" xmlns:r="http://schemas.openxmlformats.org/officeDocument/2006/relationships" xmlns:p="http://schemas.openxmlformats.org/presentationml/2006/main">
+  <p:cSld>
+    <p:bg>
+      <p:bgPr>
+        <a:solidFill>
+          <a:schemeClr val="bg1">
+            <a:lumMod val="95000"/>
+            <a:lumOff val="5000"/>
+          </a:schemeClr>
+        </a:solidFill>
+        <a:effectLst/>
+      </p:bgPr>
+    </p:bg>
+    <p:spTree>
+      <p:nvGrpSpPr>
+        <p:cNvPr id="1" name=""/>
+        <p:cNvGrpSpPr/>
+        <p:nvPr/>
+      </p:nvGrpSpPr>
+      <p:grpSpPr>
+        <a:xfrm>
+          <a:off x="0" y="0"/>
+          <a:ext cx="0" cy="0"/>
+          <a:chOff x="0" y="0"/>
+          <a:chExt cx="0" cy="0"/>
+        </a:xfrm>
+      </p:grpSpPr>
+      <p:sp>
+        <p:nvSpPr>
+          <p:cNvPr id="2" name="Заголовок 1"/>
+          <p:cNvSpPr>
+            <a:spLocks noGrp="1"/>
+          </p:cNvSpPr>
+          <p:nvPr>
+            <p:ph type="title"/>
+          </p:nvPr>
+        </p:nvSpPr>
+        <p:spPr>
+          <a:xfrm>
+            <a:off x="3319975" y="2674517"/>
+            <a:ext cx="5458265" cy="1067490"/>
+          </a:xfrm>
+          <a:solidFill>
+            <a:schemeClr val="bg1">
+              <a:alpha val="45000"/>
+            </a:schemeClr>
+          </a:solidFill>
+        </p:spPr>
+        <p:txBody>
+          <a:bodyPr/>
+          <a:lstStyle/>
+          <a:p>
+            <a:r>
+              <a:rPr lang="ru-RU" dirty="0" smtClean="0"/>
+              <a:t>Спасибо за внимание!</a:t>
+            </a:r>
+            <a:endParaRPr lang="ru-RU" dirty="0"/>
+          </a:p>
+        </p:txBody>
+      </p:sp>
+    </p:spTree>
+    <p:extLst>
+      <p:ext uri="{BB962C8B-B14F-4D97-AF65-F5344CB8AC3E}">
+        <p14:creationId xmlns:p14="http://schemas.microsoft.com/office/powerpoint/2010/main" val="4193049173"/>
       </p:ext>
     </p:extLst>
   </p:cSld>
